--- a/figures/final_figs/figs.pptx
+++ b/figures/final_figs/figs.pptx
@@ -249,7 +249,7 @@
           <a:p>
             <a:fld id="{84FDAD1B-D8A9-CB4E-B013-34AAA91A7A87}" type="datetimeFigureOut">
               <a:rPr lang="en-US" smtClean="0"/>
-              <a:t>12/24/20</a:t>
+              <a:t>12/26/20</a:t>
             </a:fld>
             <a:endParaRPr lang="en-US"/>
           </a:p>
@@ -414,7 +414,7 @@
           <a:p>
             <a:fld id="{84FDAD1B-D8A9-CB4E-B013-34AAA91A7A87}" type="datetimeFigureOut">
               <a:rPr lang="en-US" smtClean="0"/>
-              <a:t>12/24/20</a:t>
+              <a:t>12/26/20</a:t>
             </a:fld>
             <a:endParaRPr lang="en-US"/>
           </a:p>
@@ -589,7 +589,7 @@
           <a:p>
             <a:fld id="{84FDAD1B-D8A9-CB4E-B013-34AAA91A7A87}" type="datetimeFigureOut">
               <a:rPr lang="en-US" smtClean="0"/>
-              <a:t>12/24/20</a:t>
+              <a:t>12/26/20</a:t>
             </a:fld>
             <a:endParaRPr lang="en-US"/>
           </a:p>
@@ -754,7 +754,7 @@
           <a:p>
             <a:fld id="{84FDAD1B-D8A9-CB4E-B013-34AAA91A7A87}" type="datetimeFigureOut">
               <a:rPr lang="en-US" smtClean="0"/>
-              <a:t>12/24/20</a:t>
+              <a:t>12/26/20</a:t>
             </a:fld>
             <a:endParaRPr lang="en-US"/>
           </a:p>
@@ -993,7 +993,7 @@
           <a:p>
             <a:fld id="{84FDAD1B-D8A9-CB4E-B013-34AAA91A7A87}" type="datetimeFigureOut">
               <a:rPr lang="en-US" smtClean="0"/>
-              <a:t>12/24/20</a:t>
+              <a:t>12/26/20</a:t>
             </a:fld>
             <a:endParaRPr lang="en-US"/>
           </a:p>
@@ -1220,7 +1220,7 @@
           <a:p>
             <a:fld id="{84FDAD1B-D8A9-CB4E-B013-34AAA91A7A87}" type="datetimeFigureOut">
               <a:rPr lang="en-US" smtClean="0"/>
-              <a:t>12/24/20</a:t>
+              <a:t>12/26/20</a:t>
             </a:fld>
             <a:endParaRPr lang="en-US"/>
           </a:p>
@@ -1582,7 +1582,7 @@
           <a:p>
             <a:fld id="{84FDAD1B-D8A9-CB4E-B013-34AAA91A7A87}" type="datetimeFigureOut">
               <a:rPr lang="en-US" smtClean="0"/>
-              <a:t>12/24/20</a:t>
+              <a:t>12/26/20</a:t>
             </a:fld>
             <a:endParaRPr lang="en-US"/>
           </a:p>
@@ -1695,7 +1695,7 @@
           <a:p>
             <a:fld id="{84FDAD1B-D8A9-CB4E-B013-34AAA91A7A87}" type="datetimeFigureOut">
               <a:rPr lang="en-US" smtClean="0"/>
-              <a:t>12/24/20</a:t>
+              <a:t>12/26/20</a:t>
             </a:fld>
             <a:endParaRPr lang="en-US"/>
           </a:p>
@@ -1785,7 +1785,7 @@
           <a:p>
             <a:fld id="{84FDAD1B-D8A9-CB4E-B013-34AAA91A7A87}" type="datetimeFigureOut">
               <a:rPr lang="en-US" smtClean="0"/>
-              <a:t>12/24/20</a:t>
+              <a:t>12/26/20</a:t>
             </a:fld>
             <a:endParaRPr lang="en-US"/>
           </a:p>
@@ -2057,7 +2057,7 @@
           <a:p>
             <a:fld id="{84FDAD1B-D8A9-CB4E-B013-34AAA91A7A87}" type="datetimeFigureOut">
               <a:rPr lang="en-US" smtClean="0"/>
-              <a:t>12/24/20</a:t>
+              <a:t>12/26/20</a:t>
             </a:fld>
             <a:endParaRPr lang="en-US"/>
           </a:p>
@@ -2309,7 +2309,7 @@
           <a:p>
             <a:fld id="{84FDAD1B-D8A9-CB4E-B013-34AAA91A7A87}" type="datetimeFigureOut">
               <a:rPr lang="en-US" smtClean="0"/>
-              <a:t>12/24/20</a:t>
+              <a:t>12/26/20</a:t>
             </a:fld>
             <a:endParaRPr lang="en-US"/>
           </a:p>
@@ -2517,7 +2517,7 @@
           <a:p>
             <a:fld id="{84FDAD1B-D8A9-CB4E-B013-34AAA91A7A87}" type="datetimeFigureOut">
               <a:rPr lang="en-US" smtClean="0"/>
-              <a:t>12/24/20</a:t>
+              <a:t>12/26/20</a:t>
             </a:fld>
             <a:endParaRPr lang="en-US"/>
           </a:p>
@@ -13562,7 +13562,7 @@
       </p:sp>
       <p:pic>
         <p:nvPicPr>
-          <p:cNvPr id="2" name="Picture 1"/>
+          <p:cNvPr id="4" name="Picture 3"/>
           <p:cNvPicPr>
             <a:picLocks noChangeAspect="1"/>
           </p:cNvPicPr>
@@ -13582,116 +13582,14 @@
         </p:blipFill>
         <p:spPr>
           <a:xfrm>
-            <a:off x="692259" y="336498"/>
-            <a:ext cx="5884193" cy="5884193"/>
+            <a:off x="304258" y="361479"/>
+            <a:ext cx="6927574" cy="6927574"/>
           </a:xfrm>
           <a:prstGeom prst="rect">
             <a:avLst/>
           </a:prstGeom>
         </p:spPr>
       </p:pic>
-      <p:sp>
-        <p:nvSpPr>
-          <p:cNvPr id="3" name="Oval 2"/>
-          <p:cNvSpPr/>
-          <p:nvPr/>
-        </p:nvSpPr>
-        <p:spPr>
-          <a:xfrm rot="18950482">
-            <a:off x="1656091" y="3297815"/>
-            <a:ext cx="1861826" cy="596242"/>
-          </a:xfrm>
-          <a:prstGeom prst="ellipse">
-            <a:avLst/>
-          </a:prstGeom>
-          <a:solidFill>
-            <a:srgbClr val="6E707D">
-              <a:alpha val="20000"/>
-            </a:srgbClr>
-          </a:solidFill>
-          <a:ln>
-            <a:solidFill>
-              <a:schemeClr val="tx1"/>
-            </a:solidFill>
-            <a:prstDash val="dash"/>
-          </a:ln>
-        </p:spPr>
-        <p:style>
-          <a:lnRef idx="2">
-            <a:schemeClr val="accent1">
-              <a:shade val="50000"/>
-            </a:schemeClr>
-          </a:lnRef>
-          <a:fillRef idx="1">
-            <a:schemeClr val="accent1"/>
-          </a:fillRef>
-          <a:effectRef idx="0">
-            <a:schemeClr val="accent1"/>
-          </a:effectRef>
-          <a:fontRef idx="minor">
-            <a:schemeClr val="lt1"/>
-          </a:fontRef>
-        </p:style>
-        <p:txBody>
-          <a:bodyPr rtlCol="0" anchor="ctr"/>
-          <a:lstStyle/>
-          <a:p>
-            <a:pPr algn="ctr"/>
-            <a:endParaRPr lang="en-US"/>
-          </a:p>
-        </p:txBody>
-      </p:sp>
-      <p:sp>
-        <p:nvSpPr>
-          <p:cNvPr id="10" name="Oval 9"/>
-          <p:cNvSpPr/>
-          <p:nvPr/>
-        </p:nvSpPr>
-        <p:spPr>
-          <a:xfrm rot="18950482">
-            <a:off x="2973687" y="3618512"/>
-            <a:ext cx="1861826" cy="974013"/>
-          </a:xfrm>
-          <a:prstGeom prst="ellipse">
-            <a:avLst/>
-          </a:prstGeom>
-          <a:solidFill>
-            <a:srgbClr val="6E707D">
-              <a:alpha val="20000"/>
-            </a:srgbClr>
-          </a:solidFill>
-          <a:ln>
-            <a:solidFill>
-              <a:schemeClr val="tx1"/>
-            </a:solidFill>
-            <a:prstDash val="dash"/>
-          </a:ln>
-        </p:spPr>
-        <p:style>
-          <a:lnRef idx="2">
-            <a:schemeClr val="accent1">
-              <a:shade val="50000"/>
-            </a:schemeClr>
-          </a:lnRef>
-          <a:fillRef idx="1">
-            <a:schemeClr val="accent1"/>
-          </a:fillRef>
-          <a:effectRef idx="0">
-            <a:schemeClr val="accent1"/>
-          </a:effectRef>
-          <a:fontRef idx="minor">
-            <a:schemeClr val="lt1"/>
-          </a:fontRef>
-        </p:style>
-        <p:txBody>
-          <a:bodyPr rtlCol="0" anchor="ctr"/>
-          <a:lstStyle/>
-          <a:p>
-            <a:pPr algn="ctr"/>
-            <a:endParaRPr lang="en-US"/>
-          </a:p>
-        </p:txBody>
-      </p:sp>
     </p:spTree>
     <p:extLst>
       <p:ext uri="{BB962C8B-B14F-4D97-AF65-F5344CB8AC3E}">
@@ -15595,7 +15493,7 @@
         </p:nvSpPr>
         <p:spPr>
           <a:xfrm>
-            <a:off x="447747" y="6654018"/>
+            <a:off x="1427954" y="6932314"/>
             <a:ext cx="759654" cy="211016"/>
           </a:xfrm>
           <a:prstGeom prst="rect">

--- a/figures/final_figs/figs.pptx
+++ b/figures/final_figs/figs.pptx
@@ -249,7 +249,7 @@
           <a:p>
             <a:fld id="{84FDAD1B-D8A9-CB4E-B013-34AAA91A7A87}" type="datetimeFigureOut">
               <a:rPr lang="en-US" smtClean="0"/>
-              <a:t>12/26/20</a:t>
+              <a:t>12/29/20</a:t>
             </a:fld>
             <a:endParaRPr lang="en-US"/>
           </a:p>
@@ -414,7 +414,7 @@
           <a:p>
             <a:fld id="{84FDAD1B-D8A9-CB4E-B013-34AAA91A7A87}" type="datetimeFigureOut">
               <a:rPr lang="en-US" smtClean="0"/>
-              <a:t>12/26/20</a:t>
+              <a:t>12/29/20</a:t>
             </a:fld>
             <a:endParaRPr lang="en-US"/>
           </a:p>
@@ -589,7 +589,7 @@
           <a:p>
             <a:fld id="{84FDAD1B-D8A9-CB4E-B013-34AAA91A7A87}" type="datetimeFigureOut">
               <a:rPr lang="en-US" smtClean="0"/>
-              <a:t>12/26/20</a:t>
+              <a:t>12/29/20</a:t>
             </a:fld>
             <a:endParaRPr lang="en-US"/>
           </a:p>
@@ -754,7 +754,7 @@
           <a:p>
             <a:fld id="{84FDAD1B-D8A9-CB4E-B013-34AAA91A7A87}" type="datetimeFigureOut">
               <a:rPr lang="en-US" smtClean="0"/>
-              <a:t>12/26/20</a:t>
+              <a:t>12/29/20</a:t>
             </a:fld>
             <a:endParaRPr lang="en-US"/>
           </a:p>
@@ -993,7 +993,7 @@
           <a:p>
             <a:fld id="{84FDAD1B-D8A9-CB4E-B013-34AAA91A7A87}" type="datetimeFigureOut">
               <a:rPr lang="en-US" smtClean="0"/>
-              <a:t>12/26/20</a:t>
+              <a:t>12/29/20</a:t>
             </a:fld>
             <a:endParaRPr lang="en-US"/>
           </a:p>
@@ -1220,7 +1220,7 @@
           <a:p>
             <a:fld id="{84FDAD1B-D8A9-CB4E-B013-34AAA91A7A87}" type="datetimeFigureOut">
               <a:rPr lang="en-US" smtClean="0"/>
-              <a:t>12/26/20</a:t>
+              <a:t>12/29/20</a:t>
             </a:fld>
             <a:endParaRPr lang="en-US"/>
           </a:p>
@@ -1582,7 +1582,7 @@
           <a:p>
             <a:fld id="{84FDAD1B-D8A9-CB4E-B013-34AAA91A7A87}" type="datetimeFigureOut">
               <a:rPr lang="en-US" smtClean="0"/>
-              <a:t>12/26/20</a:t>
+              <a:t>12/29/20</a:t>
             </a:fld>
             <a:endParaRPr lang="en-US"/>
           </a:p>
@@ -1695,7 +1695,7 @@
           <a:p>
             <a:fld id="{84FDAD1B-D8A9-CB4E-B013-34AAA91A7A87}" type="datetimeFigureOut">
               <a:rPr lang="en-US" smtClean="0"/>
-              <a:t>12/26/20</a:t>
+              <a:t>12/29/20</a:t>
             </a:fld>
             <a:endParaRPr lang="en-US"/>
           </a:p>
@@ -1785,7 +1785,7 @@
           <a:p>
             <a:fld id="{84FDAD1B-D8A9-CB4E-B013-34AAA91A7A87}" type="datetimeFigureOut">
               <a:rPr lang="en-US" smtClean="0"/>
-              <a:t>12/26/20</a:t>
+              <a:t>12/29/20</a:t>
             </a:fld>
             <a:endParaRPr lang="en-US"/>
           </a:p>
@@ -2057,7 +2057,7 @@
           <a:p>
             <a:fld id="{84FDAD1B-D8A9-CB4E-B013-34AAA91A7A87}" type="datetimeFigureOut">
               <a:rPr lang="en-US" smtClean="0"/>
-              <a:t>12/26/20</a:t>
+              <a:t>12/29/20</a:t>
             </a:fld>
             <a:endParaRPr lang="en-US"/>
           </a:p>
@@ -2309,7 +2309,7 @@
           <a:p>
             <a:fld id="{84FDAD1B-D8A9-CB4E-B013-34AAA91A7A87}" type="datetimeFigureOut">
               <a:rPr lang="en-US" smtClean="0"/>
-              <a:t>12/26/20</a:t>
+              <a:t>12/29/20</a:t>
             </a:fld>
             <a:endParaRPr lang="en-US"/>
           </a:p>
@@ -2517,7 +2517,7 @@
           <a:p>
             <a:fld id="{84FDAD1B-D8A9-CB4E-B013-34AAA91A7A87}" type="datetimeFigureOut">
               <a:rPr lang="en-US" smtClean="0"/>
-              <a:t>12/26/20</a:t>
+              <a:t>12/29/20</a:t>
             </a:fld>
             <a:endParaRPr lang="en-US"/>
           </a:p>
@@ -13622,7 +13622,7 @@
       </p:grpSpPr>
       <p:pic>
         <p:nvPicPr>
-          <p:cNvPr id="2" name="Picture 1"/>
+          <p:cNvPr id="3" name="Picture 2"/>
           <p:cNvPicPr>
             <a:picLocks noChangeAspect="1"/>
           </p:cNvPicPr>
@@ -13642,8 +13642,8 @@
         </p:blipFill>
         <p:spPr>
           <a:xfrm>
-            <a:off x="209866" y="224874"/>
-            <a:ext cx="3576464" cy="2145878"/>
+            <a:off x="177799" y="199101"/>
+            <a:ext cx="3652951" cy="2191771"/>
           </a:xfrm>
           <a:prstGeom prst="rect">
             <a:avLst/>
@@ -14171,36 +14171,6 @@
           </a:prstGeom>
         </p:spPr>
       </p:pic>
-      <p:pic>
-        <p:nvPicPr>
-          <p:cNvPr id="10" name="Picture 9"/>
-          <p:cNvPicPr>
-            <a:picLocks noChangeAspect="1"/>
-          </p:cNvPicPr>
-          <p:nvPr/>
-        </p:nvPicPr>
-        <p:blipFill>
-          <a:blip r:embed="rId4">
-            <a:extLst>
-              <a:ext uri="{28A0092B-C50C-407E-A947-70E740481C1C}">
-                <a14:useLocalDpi xmlns:a14="http://schemas.microsoft.com/office/drawing/2010/main" val="0"/>
-              </a:ext>
-            </a:extLst>
-          </a:blip>
-          <a:stretch>
-            <a:fillRect/>
-          </a:stretch>
-        </p:blipFill>
-        <p:spPr>
-          <a:xfrm>
-            <a:off x="42978" y="191886"/>
-            <a:ext cx="3814885" cy="2288931"/>
-          </a:xfrm>
-          <a:prstGeom prst="rect">
-            <a:avLst/>
-          </a:prstGeom>
-        </p:spPr>
-      </p:pic>
       <p:sp>
         <p:nvSpPr>
           <p:cNvPr id="16" name="TextBox 15"/>
@@ -14496,7 +14466,7 @@
           <p:nvPr/>
         </p:nvPicPr>
         <p:blipFill rotWithShape="1">
-          <a:blip r:embed="rId5">
+          <a:blip r:embed="rId4">
             <a:extLst>
               <a:ext uri="{28A0092B-C50C-407E-A947-70E740481C1C}">
                 <a14:useLocalDpi xmlns:a14="http://schemas.microsoft.com/office/drawing/2010/main" val="0"/>
@@ -14563,7 +14533,7 @@
           <p:nvPr/>
         </p:nvPicPr>
         <p:blipFill rotWithShape="1">
-          <a:blip r:embed="rId6">
+          <a:blip r:embed="rId5">
             <a:extLst>
               <a:ext uri="{28A0092B-C50C-407E-A947-70E740481C1C}">
                 <a14:useLocalDpi xmlns:a14="http://schemas.microsoft.com/office/drawing/2010/main" val="0"/>
@@ -14577,6 +14547,36 @@
           <a:xfrm>
             <a:off x="4394786" y="2853503"/>
             <a:ext cx="2683149" cy="2292887"/>
+          </a:xfrm>
+          <a:prstGeom prst="rect">
+            <a:avLst/>
+          </a:prstGeom>
+        </p:spPr>
+      </p:pic>
+      <p:pic>
+        <p:nvPicPr>
+          <p:cNvPr id="2" name="Picture 1"/>
+          <p:cNvPicPr>
+            <a:picLocks noChangeAspect="1"/>
+          </p:cNvPicPr>
+          <p:nvPr/>
+        </p:nvPicPr>
+        <p:blipFill>
+          <a:blip r:embed="rId6">
+            <a:extLst>
+              <a:ext uri="{28A0092B-C50C-407E-A947-70E740481C1C}">
+                <a14:useLocalDpi xmlns:a14="http://schemas.microsoft.com/office/drawing/2010/main" val="0"/>
+              </a:ext>
+            </a:extLst>
+          </a:blip>
+          <a:stretch>
+            <a:fillRect/>
+          </a:stretch>
+        </p:blipFill>
+        <p:spPr>
+          <a:xfrm>
+            <a:off x="80410" y="259313"/>
+            <a:ext cx="3702507" cy="2221504"/>
           </a:xfrm>
           <a:prstGeom prst="rect">
             <a:avLst/>

--- a/figures/final_figs/figs.pptx
+++ b/figures/final_figs/figs.pptx
@@ -9,9 +9,10 @@
     <p:sldId id="257" r:id="rId3"/>
     <p:sldId id="263" r:id="rId4"/>
     <p:sldId id="258" r:id="rId5"/>
-    <p:sldId id="265" r:id="rId6"/>
-    <p:sldId id="259" r:id="rId7"/>
-    <p:sldId id="262" r:id="rId8"/>
+    <p:sldId id="266" r:id="rId6"/>
+    <p:sldId id="265" r:id="rId7"/>
+    <p:sldId id="259" r:id="rId8"/>
+    <p:sldId id="262" r:id="rId9"/>
   </p:sldIdLst>
   <p:sldSz cx="7772400" cy="10058400"/>
   <p:notesSz cx="6858000" cy="9144000"/>
@@ -249,7 +250,7 @@
           <a:p>
             <a:fld id="{84FDAD1B-D8A9-CB4E-B013-34AAA91A7A87}" type="datetimeFigureOut">
               <a:rPr lang="en-US" smtClean="0"/>
-              <a:t>12/29/20</a:t>
+              <a:t>12/30/20</a:t>
             </a:fld>
             <a:endParaRPr lang="en-US"/>
           </a:p>
@@ -414,7 +415,7 @@
           <a:p>
             <a:fld id="{84FDAD1B-D8A9-CB4E-B013-34AAA91A7A87}" type="datetimeFigureOut">
               <a:rPr lang="en-US" smtClean="0"/>
-              <a:t>12/29/20</a:t>
+              <a:t>12/30/20</a:t>
             </a:fld>
             <a:endParaRPr lang="en-US"/>
           </a:p>
@@ -589,7 +590,7 @@
           <a:p>
             <a:fld id="{84FDAD1B-D8A9-CB4E-B013-34AAA91A7A87}" type="datetimeFigureOut">
               <a:rPr lang="en-US" smtClean="0"/>
-              <a:t>12/29/20</a:t>
+              <a:t>12/30/20</a:t>
             </a:fld>
             <a:endParaRPr lang="en-US"/>
           </a:p>
@@ -754,7 +755,7 @@
           <a:p>
             <a:fld id="{84FDAD1B-D8A9-CB4E-B013-34AAA91A7A87}" type="datetimeFigureOut">
               <a:rPr lang="en-US" smtClean="0"/>
-              <a:t>12/29/20</a:t>
+              <a:t>12/30/20</a:t>
             </a:fld>
             <a:endParaRPr lang="en-US"/>
           </a:p>
@@ -993,7 +994,7 @@
           <a:p>
             <a:fld id="{84FDAD1B-D8A9-CB4E-B013-34AAA91A7A87}" type="datetimeFigureOut">
               <a:rPr lang="en-US" smtClean="0"/>
-              <a:t>12/29/20</a:t>
+              <a:t>12/30/20</a:t>
             </a:fld>
             <a:endParaRPr lang="en-US"/>
           </a:p>
@@ -1220,7 +1221,7 @@
           <a:p>
             <a:fld id="{84FDAD1B-D8A9-CB4E-B013-34AAA91A7A87}" type="datetimeFigureOut">
               <a:rPr lang="en-US" smtClean="0"/>
-              <a:t>12/29/20</a:t>
+              <a:t>12/30/20</a:t>
             </a:fld>
             <a:endParaRPr lang="en-US"/>
           </a:p>
@@ -1582,7 +1583,7 @@
           <a:p>
             <a:fld id="{84FDAD1B-D8A9-CB4E-B013-34AAA91A7A87}" type="datetimeFigureOut">
               <a:rPr lang="en-US" smtClean="0"/>
-              <a:t>12/29/20</a:t>
+              <a:t>12/30/20</a:t>
             </a:fld>
             <a:endParaRPr lang="en-US"/>
           </a:p>
@@ -1695,7 +1696,7 @@
           <a:p>
             <a:fld id="{84FDAD1B-D8A9-CB4E-B013-34AAA91A7A87}" type="datetimeFigureOut">
               <a:rPr lang="en-US" smtClean="0"/>
-              <a:t>12/29/20</a:t>
+              <a:t>12/30/20</a:t>
             </a:fld>
             <a:endParaRPr lang="en-US"/>
           </a:p>
@@ -1785,7 +1786,7 @@
           <a:p>
             <a:fld id="{84FDAD1B-D8A9-CB4E-B013-34AAA91A7A87}" type="datetimeFigureOut">
               <a:rPr lang="en-US" smtClean="0"/>
-              <a:t>12/29/20</a:t>
+              <a:t>12/30/20</a:t>
             </a:fld>
             <a:endParaRPr lang="en-US"/>
           </a:p>
@@ -2057,7 +2058,7 @@
           <a:p>
             <a:fld id="{84FDAD1B-D8A9-CB4E-B013-34AAA91A7A87}" type="datetimeFigureOut">
               <a:rPr lang="en-US" smtClean="0"/>
-              <a:t>12/29/20</a:t>
+              <a:t>12/30/20</a:t>
             </a:fld>
             <a:endParaRPr lang="en-US"/>
           </a:p>
@@ -2309,7 +2310,7 @@
           <a:p>
             <a:fld id="{84FDAD1B-D8A9-CB4E-B013-34AAA91A7A87}" type="datetimeFigureOut">
               <a:rPr lang="en-US" smtClean="0"/>
-              <a:t>12/29/20</a:t>
+              <a:t>12/30/20</a:t>
             </a:fld>
             <a:endParaRPr lang="en-US"/>
           </a:p>
@@ -2517,7 +2518,7 @@
           <a:p>
             <a:fld id="{84FDAD1B-D8A9-CB4E-B013-34AAA91A7A87}" type="datetimeFigureOut">
               <a:rPr lang="en-US" smtClean="0"/>
-              <a:t>12/29/20</a:t>
+              <a:t>12/30/20</a:t>
             </a:fld>
             <a:endParaRPr lang="en-US"/>
           </a:p>
@@ -13622,7 +13623,7 @@
       </p:grpSpPr>
       <p:pic>
         <p:nvPicPr>
-          <p:cNvPr id="3" name="Picture 2"/>
+          <p:cNvPr id="6" name="Picture 5"/>
           <p:cNvPicPr>
             <a:picLocks noChangeAspect="1"/>
           </p:cNvPicPr>
@@ -13642,132 +13643,17 @@
         </p:blipFill>
         <p:spPr>
           <a:xfrm>
-            <a:off x="177799" y="199101"/>
-            <a:ext cx="3652951" cy="2191771"/>
+            <a:off x="3915724" y="48900"/>
+            <a:ext cx="3903287" cy="2341972"/>
           </a:xfrm>
           <a:prstGeom prst="rect">
             <a:avLst/>
           </a:prstGeom>
         </p:spPr>
       </p:pic>
-      <p:sp>
-        <p:nvSpPr>
-          <p:cNvPr id="23" name="TextBox 22"/>
-          <p:cNvSpPr txBox="1"/>
-          <p:nvPr/>
-        </p:nvSpPr>
-        <p:spPr>
-          <a:xfrm>
-            <a:off x="16861" y="-32572"/>
-            <a:ext cx="272832" cy="276999"/>
-          </a:xfrm>
-          <a:prstGeom prst="rect">
-            <a:avLst/>
-          </a:prstGeom>
-          <a:noFill/>
-        </p:spPr>
-        <p:txBody>
-          <a:bodyPr wrap="none" rtlCol="0">
-            <a:spAutoFit/>
-          </a:bodyPr>
-          <a:lstStyle/>
-          <a:p>
-            <a:r>
-              <a:rPr lang="en-US" sz="1200" b="1" dirty="0">
-                <a:latin typeface="Helvetica Neue" charset="0"/>
-                <a:ea typeface="Helvetica Neue" charset="0"/>
-                <a:cs typeface="Helvetica Neue" charset="0"/>
-              </a:rPr>
-              <a:t>a</a:t>
-            </a:r>
-          </a:p>
-        </p:txBody>
-      </p:sp>
-      <p:sp>
-        <p:nvSpPr>
-          <p:cNvPr id="28" name="TextBox 27"/>
-          <p:cNvSpPr txBox="1"/>
-          <p:nvPr/>
-        </p:nvSpPr>
-        <p:spPr>
-          <a:xfrm>
-            <a:off x="1164108" y="2405551"/>
-            <a:ext cx="1424710" cy="200055"/>
-          </a:xfrm>
-          <a:prstGeom prst="rect">
-            <a:avLst/>
-          </a:prstGeom>
-          <a:noFill/>
-        </p:spPr>
-        <p:txBody>
-          <a:bodyPr wrap="square" rtlCol="0">
-            <a:spAutoFit/>
-          </a:bodyPr>
-          <a:lstStyle/>
-          <a:p>
-            <a:r>
-              <a:rPr lang="en-US" sz="700" dirty="0">
-                <a:latin typeface="Helvetica Neue" charset="0"/>
-                <a:ea typeface="Helvetica Neue" charset="0"/>
-                <a:cs typeface="Helvetica Neue" charset="0"/>
-              </a:rPr>
-              <a:t>06/26/2019 – 01/08/2020</a:t>
-            </a:r>
-          </a:p>
-        </p:txBody>
-      </p:sp>
-      <p:sp>
-        <p:nvSpPr>
-          <p:cNvPr id="27" name="Left Bracket 26"/>
-          <p:cNvSpPr/>
-          <p:nvPr/>
-        </p:nvSpPr>
-        <p:spPr>
-          <a:xfrm rot="16200000">
-            <a:off x="1706206" y="1888182"/>
-            <a:ext cx="80097" cy="925283"/>
-          </a:xfrm>
-          <a:prstGeom prst="leftBracket">
-            <a:avLst/>
-          </a:prstGeom>
-          <a:ln w="19050">
-            <a:solidFill>
-              <a:srgbClr val="FC7F72">
-                <a:alpha val="50196"/>
-              </a:srgbClr>
-            </a:solidFill>
-          </a:ln>
-        </p:spPr>
-        <p:style>
-          <a:lnRef idx="1">
-            <a:schemeClr val="accent1"/>
-          </a:lnRef>
-          <a:fillRef idx="0">
-            <a:schemeClr val="accent1"/>
-          </a:fillRef>
-          <a:effectRef idx="0">
-            <a:schemeClr val="accent1"/>
-          </a:effectRef>
-          <a:fontRef idx="minor">
-            <a:schemeClr val="tx1"/>
-          </a:fontRef>
-        </p:style>
-        <p:txBody>
-          <a:bodyPr rtlCol="0" anchor="ctr"/>
-          <a:lstStyle/>
-          <a:p>
-            <a:pPr algn="ctr"/>
-            <a:endParaRPr lang="en-US" sz="2640">
-              <a:solidFill>
-                <a:srgbClr val="FC7F72"/>
-              </a:solidFill>
-            </a:endParaRPr>
-          </a:p>
-        </p:txBody>
-      </p:sp>
       <p:pic>
         <p:nvPicPr>
-          <p:cNvPr id="8" name="Picture 7"/>
+          <p:cNvPr id="3" name="Picture 2"/>
           <p:cNvPicPr>
             <a:picLocks noChangeAspect="1"/>
           </p:cNvPicPr>
@@ -13787,14 +13673,129 @@
         </p:blipFill>
         <p:spPr>
           <a:xfrm>
-            <a:off x="3899606" y="40165"/>
-            <a:ext cx="3936716" cy="2362030"/>
+            <a:off x="177799" y="199101"/>
+            <a:ext cx="3652951" cy="2191771"/>
           </a:xfrm>
           <a:prstGeom prst="rect">
             <a:avLst/>
           </a:prstGeom>
         </p:spPr>
       </p:pic>
+      <p:sp>
+        <p:nvSpPr>
+          <p:cNvPr id="23" name="TextBox 22"/>
+          <p:cNvSpPr txBox="1"/>
+          <p:nvPr/>
+        </p:nvSpPr>
+        <p:spPr>
+          <a:xfrm>
+            <a:off x="16861" y="-32572"/>
+            <a:ext cx="272832" cy="276999"/>
+          </a:xfrm>
+          <a:prstGeom prst="rect">
+            <a:avLst/>
+          </a:prstGeom>
+          <a:noFill/>
+        </p:spPr>
+        <p:txBody>
+          <a:bodyPr wrap="none" rtlCol="0">
+            <a:spAutoFit/>
+          </a:bodyPr>
+          <a:lstStyle/>
+          <a:p>
+            <a:r>
+              <a:rPr lang="en-US" sz="1200" b="1" dirty="0">
+                <a:latin typeface="Helvetica Neue" charset="0"/>
+                <a:ea typeface="Helvetica Neue" charset="0"/>
+                <a:cs typeface="Helvetica Neue" charset="0"/>
+              </a:rPr>
+              <a:t>a</a:t>
+            </a:r>
+          </a:p>
+        </p:txBody>
+      </p:sp>
+      <p:sp>
+        <p:nvSpPr>
+          <p:cNvPr id="28" name="TextBox 27"/>
+          <p:cNvSpPr txBox="1"/>
+          <p:nvPr/>
+        </p:nvSpPr>
+        <p:spPr>
+          <a:xfrm>
+            <a:off x="1164108" y="2426571"/>
+            <a:ext cx="1424710" cy="200055"/>
+          </a:xfrm>
+          <a:prstGeom prst="rect">
+            <a:avLst/>
+          </a:prstGeom>
+          <a:noFill/>
+        </p:spPr>
+        <p:txBody>
+          <a:bodyPr wrap="square" rtlCol="0">
+            <a:spAutoFit/>
+          </a:bodyPr>
+          <a:lstStyle/>
+          <a:p>
+            <a:r>
+              <a:rPr lang="en-US" sz="700" dirty="0">
+                <a:latin typeface="Helvetica Neue" charset="0"/>
+                <a:ea typeface="Helvetica Neue" charset="0"/>
+                <a:cs typeface="Helvetica Neue" charset="0"/>
+              </a:rPr>
+              <a:t>06/26/2019 – 01/08/2020</a:t>
+            </a:r>
+          </a:p>
+        </p:txBody>
+      </p:sp>
+      <p:sp>
+        <p:nvSpPr>
+          <p:cNvPr id="27" name="Left Bracket 26"/>
+          <p:cNvSpPr/>
+          <p:nvPr/>
+        </p:nvSpPr>
+        <p:spPr>
+          <a:xfrm rot="16200000">
+            <a:off x="1706206" y="1909202"/>
+            <a:ext cx="80097" cy="925283"/>
+          </a:xfrm>
+          <a:prstGeom prst="leftBracket">
+            <a:avLst/>
+          </a:prstGeom>
+          <a:ln w="19050">
+            <a:solidFill>
+              <a:srgbClr val="FC7F72">
+                <a:alpha val="50196"/>
+              </a:srgbClr>
+            </a:solidFill>
+          </a:ln>
+        </p:spPr>
+        <p:style>
+          <a:lnRef idx="1">
+            <a:schemeClr val="accent1"/>
+          </a:lnRef>
+          <a:fillRef idx="0">
+            <a:schemeClr val="accent1"/>
+          </a:fillRef>
+          <a:effectRef idx="0">
+            <a:schemeClr val="accent1"/>
+          </a:effectRef>
+          <a:fontRef idx="minor">
+            <a:schemeClr val="tx1"/>
+          </a:fontRef>
+        </p:style>
+        <p:txBody>
+          <a:bodyPr rtlCol="0" anchor="ctr"/>
+          <a:lstStyle/>
+          <a:p>
+            <a:pPr algn="ctr"/>
+            <a:endParaRPr lang="en-US" sz="2640">
+              <a:solidFill>
+                <a:srgbClr val="FC7F72"/>
+              </a:solidFill>
+            </a:endParaRPr>
+          </a:p>
+        </p:txBody>
+      </p:sp>
       <p:sp>
         <p:nvSpPr>
           <p:cNvPr id="26" name="TextBox 25"/>
@@ -13968,8 +13969,8 @@
         </p:blipFill>
         <p:spPr>
           <a:xfrm>
-            <a:off x="65539" y="3043265"/>
-            <a:ext cx="7693565" cy="2192860"/>
+            <a:off x="1205277" y="2763697"/>
+            <a:ext cx="6419980" cy="1829856"/>
           </a:xfrm>
           <a:prstGeom prst="rect">
             <a:avLst/>
@@ -13984,7 +13985,7 @@
         </p:nvCxnSpPr>
         <p:spPr>
           <a:xfrm>
-            <a:off x="450012" y="3016588"/>
+            <a:off x="491181" y="3030334"/>
             <a:ext cx="247400" cy="0"/>
           </a:xfrm>
           <a:prstGeom prst="line">
@@ -14019,7 +14020,7 @@
         </p:nvSpPr>
         <p:spPr>
           <a:xfrm>
-            <a:off x="659283" y="2908866"/>
+            <a:off x="700452" y="2922612"/>
             <a:ext cx="504825" cy="215444"/>
           </a:xfrm>
           <a:prstGeom prst="rect">
@@ -14057,8 +14058,8 @@
         </p:nvSpPr>
         <p:spPr>
           <a:xfrm>
-            <a:off x="352102" y="2731481"/>
-            <a:ext cx="2569934" cy="215444"/>
+            <a:off x="374667" y="2763697"/>
+            <a:ext cx="2273379" cy="200055"/>
           </a:xfrm>
           <a:prstGeom prst="rect">
             <a:avLst/>
@@ -14072,14 +14073,236 @@
           <a:lstStyle/>
           <a:p>
             <a:r>
-              <a:rPr lang="en-US" sz="800" dirty="0" smtClean="0">
+              <a:rPr lang="en-US" sz="700" dirty="0" smtClean="0">
                 <a:latin typeface="Helvetica Neue" charset="0"/>
                 <a:ea typeface="Helvetica Neue" charset="0"/>
                 <a:cs typeface="Helvetica Neue" charset="0"/>
               </a:rPr>
               <a:t>Primary Candidates Split Post-Abstention Removals</a:t>
             </a:r>
-            <a:endParaRPr lang="en-US" sz="800" dirty="0">
+            <a:endParaRPr lang="en-US" sz="700" dirty="0">
+              <a:latin typeface="Helvetica Neue" charset="0"/>
+              <a:ea typeface="Helvetica Neue" charset="0"/>
+              <a:cs typeface="Helvetica Neue" charset="0"/>
+            </a:endParaRPr>
+          </a:p>
+        </p:txBody>
+      </p:sp>
+      <p:sp>
+        <p:nvSpPr>
+          <p:cNvPr id="2" name="Rectangle 1"/>
+          <p:cNvSpPr/>
+          <p:nvPr/>
+        </p:nvSpPr>
+        <p:spPr>
+          <a:xfrm>
+            <a:off x="5115780" y="2212945"/>
+            <a:ext cx="817828" cy="152169"/>
+          </a:xfrm>
+          <a:prstGeom prst="rect">
+            <a:avLst/>
+          </a:prstGeom>
+          <a:solidFill>
+            <a:schemeClr val="bg1"/>
+          </a:solidFill>
+          <a:ln>
+            <a:noFill/>
+          </a:ln>
+        </p:spPr>
+        <p:style>
+          <a:lnRef idx="2">
+            <a:schemeClr val="accent1">
+              <a:shade val="50000"/>
+            </a:schemeClr>
+          </a:lnRef>
+          <a:fillRef idx="1">
+            <a:schemeClr val="accent1"/>
+          </a:fillRef>
+          <a:effectRef idx="0">
+            <a:schemeClr val="accent1"/>
+          </a:effectRef>
+          <a:fontRef idx="minor">
+            <a:schemeClr val="lt1"/>
+          </a:fontRef>
+        </p:style>
+        <p:txBody>
+          <a:bodyPr rtlCol="0" anchor="ctr"/>
+          <a:lstStyle/>
+          <a:p>
+            <a:pPr algn="ctr"/>
+            <a:endParaRPr lang="en-US"/>
+          </a:p>
+        </p:txBody>
+      </p:sp>
+      <p:sp>
+        <p:nvSpPr>
+          <p:cNvPr id="17" name="Rectangle 16"/>
+          <p:cNvSpPr/>
+          <p:nvPr/>
+        </p:nvSpPr>
+        <p:spPr>
+          <a:xfrm>
+            <a:off x="1370048" y="2249213"/>
+            <a:ext cx="817828" cy="85219"/>
+          </a:xfrm>
+          <a:prstGeom prst="rect">
+            <a:avLst/>
+          </a:prstGeom>
+          <a:solidFill>
+            <a:schemeClr val="bg1"/>
+          </a:solidFill>
+          <a:ln>
+            <a:noFill/>
+          </a:ln>
+        </p:spPr>
+        <p:style>
+          <a:lnRef idx="2">
+            <a:schemeClr val="accent1">
+              <a:shade val="50000"/>
+            </a:schemeClr>
+          </a:lnRef>
+          <a:fillRef idx="1">
+            <a:schemeClr val="accent1"/>
+          </a:fillRef>
+          <a:effectRef idx="0">
+            <a:schemeClr val="accent1"/>
+          </a:effectRef>
+          <a:fontRef idx="minor">
+            <a:schemeClr val="lt1"/>
+          </a:fontRef>
+        </p:style>
+        <p:txBody>
+          <a:bodyPr rtlCol="0" anchor="ctr"/>
+          <a:lstStyle/>
+          <a:p>
+            <a:pPr algn="ctr"/>
+            <a:endParaRPr lang="en-US"/>
+          </a:p>
+        </p:txBody>
+      </p:sp>
+      <p:sp>
+        <p:nvSpPr>
+          <p:cNvPr id="4" name="TextBox 3"/>
+          <p:cNvSpPr txBox="1"/>
+          <p:nvPr/>
+        </p:nvSpPr>
+        <p:spPr>
+          <a:xfrm>
+            <a:off x="1207484" y="2201388"/>
+            <a:ext cx="1077539" cy="200055"/>
+          </a:xfrm>
+          <a:prstGeom prst="rect">
+            <a:avLst/>
+          </a:prstGeom>
+          <a:noFill/>
+        </p:spPr>
+        <p:txBody>
+          <a:bodyPr wrap="none" rtlCol="0">
+            <a:spAutoFit/>
+          </a:bodyPr>
+          <a:lstStyle/>
+          <a:p>
+            <a:r>
+              <a:rPr lang="en-US" sz="700" dirty="0" smtClean="0">
+                <a:latin typeface="Helvetica Neue" charset="0"/>
+                <a:ea typeface="Helvetica Neue" charset="0"/>
+                <a:cs typeface="Helvetica Neue" charset="0"/>
+              </a:rPr>
+              <a:t>Vote Roll-Call Number</a:t>
+            </a:r>
+            <a:endParaRPr lang="en-US" sz="700" dirty="0">
+              <a:latin typeface="Helvetica Neue" charset="0"/>
+              <a:ea typeface="Helvetica Neue" charset="0"/>
+              <a:cs typeface="Helvetica Neue" charset="0"/>
+            </a:endParaRPr>
+          </a:p>
+        </p:txBody>
+      </p:sp>
+      <p:sp>
+        <p:nvSpPr>
+          <p:cNvPr id="20" name="TextBox 19"/>
+          <p:cNvSpPr txBox="1"/>
+          <p:nvPr/>
+        </p:nvSpPr>
+        <p:spPr>
+          <a:xfrm>
+            <a:off x="5045910" y="2171343"/>
+            <a:ext cx="1077539" cy="200055"/>
+          </a:xfrm>
+          <a:prstGeom prst="rect">
+            <a:avLst/>
+          </a:prstGeom>
+          <a:noFill/>
+        </p:spPr>
+        <p:txBody>
+          <a:bodyPr wrap="none" rtlCol="0">
+            <a:spAutoFit/>
+          </a:bodyPr>
+          <a:lstStyle/>
+          <a:p>
+            <a:r>
+              <a:rPr lang="en-US" sz="700" dirty="0" smtClean="0">
+                <a:latin typeface="Helvetica Neue" charset="0"/>
+                <a:ea typeface="Helvetica Neue" charset="0"/>
+                <a:cs typeface="Helvetica Neue" charset="0"/>
+              </a:rPr>
+              <a:t>Vote Roll-Call Number</a:t>
+            </a:r>
+            <a:endParaRPr lang="en-US" sz="700" dirty="0">
+              <a:latin typeface="Helvetica Neue" charset="0"/>
+              <a:ea typeface="Helvetica Neue" charset="0"/>
+              <a:cs typeface="Helvetica Neue" charset="0"/>
+            </a:endParaRPr>
+          </a:p>
+        </p:txBody>
+      </p:sp>
+      <p:sp>
+        <p:nvSpPr>
+          <p:cNvPr id="29" name="TextBox 28"/>
+          <p:cNvSpPr txBox="1"/>
+          <p:nvPr/>
+        </p:nvSpPr>
+        <p:spPr>
+          <a:xfrm rot="19225682">
+            <a:off x="4139501" y="1529216"/>
+            <a:ext cx="756746" cy="200055"/>
+          </a:xfrm>
+          <a:prstGeom prst="rect">
+            <a:avLst/>
+          </a:prstGeom>
+          <a:noFill/>
+        </p:spPr>
+        <p:txBody>
+          <a:bodyPr wrap="square" rtlCol="0">
+            <a:spAutoFit/>
+          </a:bodyPr>
+          <a:lstStyle/>
+          <a:p>
+            <a:r>
+              <a:rPr lang="en-US" sz="700" dirty="0" smtClean="0">
+                <a:latin typeface="Helvetica Neue" charset="0"/>
+                <a:ea typeface="Helvetica Neue" charset="0"/>
+                <a:cs typeface="Helvetica Neue" charset="0"/>
+              </a:rPr>
+              <a:t>LOESS</a:t>
+            </a:r>
+            <a:r>
+              <a:rPr lang="en-US" sz="700" dirty="0">
+                <a:latin typeface="Helvetica Neue" charset="0"/>
+                <a:ea typeface="Helvetica Neue" charset="0"/>
+                <a:cs typeface="Helvetica Neue" charset="0"/>
+              </a:rPr>
+              <a:t> </a:t>
+            </a:r>
+            <a:r>
+              <a:rPr lang="en-US" sz="700" dirty="0" smtClean="0">
+                <a:latin typeface="Helvetica Neue" charset="0"/>
+                <a:ea typeface="Helvetica Neue" charset="0"/>
+                <a:cs typeface="Helvetica Neue" charset="0"/>
+              </a:rPr>
+              <a:t>Fit</a:t>
+            </a:r>
+            <a:endParaRPr lang="en-US" sz="700" dirty="0">
               <a:latin typeface="Helvetica Neue" charset="0"/>
               <a:ea typeface="Helvetica Neue" charset="0"/>
               <a:cs typeface="Helvetica Neue" charset="0"/>
@@ -14101,6 +14324,289 @@
 </file>
 
 <file path=ppt/slides/slide5.xml><?xml version="1.0" encoding="utf-8"?>
+<p:sld xmlns:a="http://schemas.openxmlformats.org/drawingml/2006/main" xmlns:r="http://schemas.openxmlformats.org/officeDocument/2006/relationships" xmlns:p="http://schemas.openxmlformats.org/presentationml/2006/main">
+  <p:cSld>
+    <p:spTree>
+      <p:nvGrpSpPr>
+        <p:cNvPr id="1" name=""/>
+        <p:cNvGrpSpPr/>
+        <p:nvPr/>
+      </p:nvGrpSpPr>
+      <p:grpSpPr>
+        <a:xfrm>
+          <a:off x="0" y="0"/>
+          <a:ext cx="0" cy="0"/>
+          <a:chOff x="0" y="0"/>
+          <a:chExt cx="0" cy="0"/>
+        </a:xfrm>
+      </p:grpSpPr>
+      <p:pic>
+        <p:nvPicPr>
+          <p:cNvPr id="4" name="Picture 3"/>
+          <p:cNvPicPr>
+            <a:picLocks noChangeAspect="1"/>
+          </p:cNvPicPr>
+          <p:nvPr/>
+        </p:nvPicPr>
+        <p:blipFill rotWithShape="1">
+          <a:blip r:embed="rId2">
+            <a:extLst>
+              <a:ext uri="{28A0092B-C50C-407E-A947-70E740481C1C}">
+                <a14:useLocalDpi xmlns:a14="http://schemas.microsoft.com/office/drawing/2010/main" val="0"/>
+              </a:ext>
+            </a:extLst>
+          </a:blip>
+          <a:srcRect r="15442"/>
+          <a:stretch/>
+        </p:blipFill>
+        <p:spPr>
+          <a:xfrm>
+            <a:off x="180474" y="168442"/>
+            <a:ext cx="3866009" cy="2743200"/>
+          </a:xfrm>
+          <a:prstGeom prst="rect">
+            <a:avLst/>
+          </a:prstGeom>
+        </p:spPr>
+      </p:pic>
+      <p:sp>
+        <p:nvSpPr>
+          <p:cNvPr id="7" name="Freeform 6"/>
+          <p:cNvSpPr/>
+          <p:nvPr/>
+        </p:nvSpPr>
+        <p:spPr>
+          <a:xfrm>
+            <a:off x="2659117" y="1103586"/>
+            <a:ext cx="121373" cy="241738"/>
+          </a:xfrm>
+          <a:custGeom>
+            <a:avLst/>
+            <a:gdLst>
+              <a:gd name="connsiteX0" fmla="*/ 0 w 121373"/>
+              <a:gd name="connsiteY0" fmla="*/ 241738 h 241738"/>
+              <a:gd name="connsiteX1" fmla="*/ 115614 w 121373"/>
+              <a:gd name="connsiteY1" fmla="*/ 126124 h 241738"/>
+              <a:gd name="connsiteX2" fmla="*/ 105104 w 121373"/>
+              <a:gd name="connsiteY2" fmla="*/ 0 h 241738"/>
+            </a:gdLst>
+            <a:ahLst/>
+            <a:cxnLst>
+              <a:cxn ang="0">
+                <a:pos x="connsiteX0" y="connsiteY0"/>
+              </a:cxn>
+              <a:cxn ang="0">
+                <a:pos x="connsiteX1" y="connsiteY1"/>
+              </a:cxn>
+              <a:cxn ang="0">
+                <a:pos x="connsiteX2" y="connsiteY2"/>
+              </a:cxn>
+            </a:cxnLst>
+            <a:rect l="l" t="t" r="r" b="b"/>
+            <a:pathLst>
+              <a:path w="121373" h="241738">
+                <a:moveTo>
+                  <a:pt x="0" y="241738"/>
+                </a:moveTo>
+                <a:cubicBezTo>
+                  <a:pt x="49048" y="204076"/>
+                  <a:pt x="98097" y="166414"/>
+                  <a:pt x="115614" y="126124"/>
+                </a:cubicBezTo>
+                <a:cubicBezTo>
+                  <a:pt x="133131" y="85834"/>
+                  <a:pt x="105104" y="0"/>
+                  <a:pt x="105104" y="0"/>
+                </a:cubicBezTo>
+              </a:path>
+            </a:pathLst>
+          </a:custGeom>
+          <a:noFill/>
+          <a:ln>
+            <a:solidFill>
+              <a:srgbClr val="FF0000"/>
+            </a:solidFill>
+            <a:headEnd type="none" w="med" len="med"/>
+            <a:tailEnd type="triangle" w="med" len="med"/>
+          </a:ln>
+        </p:spPr>
+        <p:style>
+          <a:lnRef idx="2">
+            <a:schemeClr val="accent1">
+              <a:shade val="50000"/>
+            </a:schemeClr>
+          </a:lnRef>
+          <a:fillRef idx="1">
+            <a:schemeClr val="accent1"/>
+          </a:fillRef>
+          <a:effectRef idx="0">
+            <a:schemeClr val="accent1"/>
+          </a:effectRef>
+          <a:fontRef idx="minor">
+            <a:schemeClr val="lt1"/>
+          </a:fontRef>
+        </p:style>
+        <p:txBody>
+          <a:bodyPr rtlCol="0" anchor="ctr"/>
+          <a:lstStyle/>
+          <a:p>
+            <a:pPr algn="ctr"/>
+            <a:endParaRPr lang="en-US"/>
+          </a:p>
+        </p:txBody>
+      </p:sp>
+      <p:sp>
+        <p:nvSpPr>
+          <p:cNvPr id="8" name="TextBox 7"/>
+          <p:cNvSpPr txBox="1"/>
+          <p:nvPr/>
+        </p:nvSpPr>
+        <p:spPr>
+          <a:xfrm>
+            <a:off x="2585544" y="950450"/>
+            <a:ext cx="756746" cy="200055"/>
+          </a:xfrm>
+          <a:prstGeom prst="rect">
+            <a:avLst/>
+          </a:prstGeom>
+          <a:noFill/>
+        </p:spPr>
+        <p:txBody>
+          <a:bodyPr wrap="square" rtlCol="0">
+            <a:spAutoFit/>
+          </a:bodyPr>
+          <a:lstStyle/>
+          <a:p>
+            <a:r>
+              <a:rPr lang="en-US" sz="700" dirty="0" smtClean="0">
+                <a:latin typeface="Helvetica Neue" charset="0"/>
+                <a:ea typeface="Helvetica Neue" charset="0"/>
+                <a:cs typeface="Helvetica Neue" charset="0"/>
+              </a:rPr>
+              <a:t>LOESS</a:t>
+            </a:r>
+            <a:r>
+              <a:rPr lang="en-US" sz="700" dirty="0">
+                <a:latin typeface="Helvetica Neue" charset="0"/>
+                <a:ea typeface="Helvetica Neue" charset="0"/>
+                <a:cs typeface="Helvetica Neue" charset="0"/>
+              </a:rPr>
+              <a:t> </a:t>
+            </a:r>
+            <a:r>
+              <a:rPr lang="en-US" sz="700" dirty="0" smtClean="0">
+                <a:latin typeface="Helvetica Neue" charset="0"/>
+                <a:ea typeface="Helvetica Neue" charset="0"/>
+                <a:cs typeface="Helvetica Neue" charset="0"/>
+              </a:rPr>
+              <a:t>Fit</a:t>
+            </a:r>
+            <a:endParaRPr lang="en-US" sz="700" dirty="0">
+              <a:latin typeface="Helvetica Neue" charset="0"/>
+              <a:ea typeface="Helvetica Neue" charset="0"/>
+              <a:cs typeface="Helvetica Neue" charset="0"/>
+            </a:endParaRPr>
+          </a:p>
+        </p:txBody>
+      </p:sp>
+      <p:sp>
+        <p:nvSpPr>
+          <p:cNvPr id="5" name="Rectangle 4"/>
+          <p:cNvSpPr/>
+          <p:nvPr/>
+        </p:nvSpPr>
+        <p:spPr>
+          <a:xfrm>
+            <a:off x="1704563" y="2706922"/>
+            <a:ext cx="1015239" cy="225740"/>
+          </a:xfrm>
+          <a:prstGeom prst="rect">
+            <a:avLst/>
+          </a:prstGeom>
+          <a:solidFill>
+            <a:schemeClr val="bg1"/>
+          </a:solidFill>
+          <a:ln>
+            <a:noFill/>
+          </a:ln>
+        </p:spPr>
+        <p:style>
+          <a:lnRef idx="2">
+            <a:schemeClr val="accent1">
+              <a:shade val="50000"/>
+            </a:schemeClr>
+          </a:lnRef>
+          <a:fillRef idx="1">
+            <a:schemeClr val="accent1"/>
+          </a:fillRef>
+          <a:effectRef idx="0">
+            <a:schemeClr val="accent1"/>
+          </a:effectRef>
+          <a:fontRef idx="minor">
+            <a:schemeClr val="lt1"/>
+          </a:fontRef>
+        </p:style>
+        <p:txBody>
+          <a:bodyPr rtlCol="0" anchor="ctr"/>
+          <a:lstStyle/>
+          <a:p>
+            <a:pPr algn="ctr"/>
+            <a:endParaRPr lang="en-US"/>
+          </a:p>
+        </p:txBody>
+      </p:sp>
+      <p:sp>
+        <p:nvSpPr>
+          <p:cNvPr id="6" name="TextBox 5"/>
+          <p:cNvSpPr txBox="1"/>
+          <p:nvPr/>
+        </p:nvSpPr>
+        <p:spPr>
+          <a:xfrm>
+            <a:off x="1608491" y="2696198"/>
+            <a:ext cx="1207382" cy="215444"/>
+          </a:xfrm>
+          <a:prstGeom prst="rect">
+            <a:avLst/>
+          </a:prstGeom>
+          <a:noFill/>
+        </p:spPr>
+        <p:txBody>
+          <a:bodyPr wrap="none" rtlCol="0">
+            <a:spAutoFit/>
+          </a:bodyPr>
+          <a:lstStyle/>
+          <a:p>
+            <a:r>
+              <a:rPr lang="en-US" sz="800" dirty="0" smtClean="0">
+                <a:latin typeface="Helvetica Neue" charset="0"/>
+                <a:ea typeface="Helvetica Neue" charset="0"/>
+                <a:cs typeface="Helvetica Neue" charset="0"/>
+              </a:rPr>
+              <a:t>Vote Roll-Call Number</a:t>
+            </a:r>
+            <a:endParaRPr lang="en-US" sz="800" dirty="0">
+              <a:latin typeface="Helvetica Neue" charset="0"/>
+              <a:ea typeface="Helvetica Neue" charset="0"/>
+              <a:cs typeface="Helvetica Neue" charset="0"/>
+            </a:endParaRPr>
+          </a:p>
+        </p:txBody>
+      </p:sp>
+    </p:spTree>
+    <p:extLst>
+      <p:ext uri="{BB962C8B-B14F-4D97-AF65-F5344CB8AC3E}">
+        <p14:creationId xmlns:p14="http://schemas.microsoft.com/office/powerpoint/2010/main" val="62776317"/>
+      </p:ext>
+    </p:extLst>
+  </p:cSld>
+  <p:clrMapOvr>
+    <a:masterClrMapping/>
+  </p:clrMapOvr>
+</p:sld>
+</file>
+
+<file path=ppt/slides/slide6.xml><?xml version="1.0" encoding="utf-8"?>
 <p:sld xmlns:a="http://schemas.openxmlformats.org/drawingml/2006/main" xmlns:r="http://schemas.openxmlformats.org/officeDocument/2006/relationships" xmlns:p="http://schemas.openxmlformats.org/presentationml/2006/main">
   <p:cSld>
     <p:spTree>
@@ -14391,36 +14897,6 @@
       </p:sp>
       <p:sp>
         <p:nvSpPr>
-          <p:cNvPr id="24" name="TextBox 23"/>
-          <p:cNvSpPr txBox="1"/>
-          <p:nvPr/>
-        </p:nvSpPr>
-        <p:spPr>
-          <a:xfrm>
-            <a:off x="8423564" y="4170218"/>
-            <a:ext cx="2033057" cy="369332"/>
-          </a:xfrm>
-          <a:prstGeom prst="rect">
-            <a:avLst/>
-          </a:prstGeom>
-          <a:noFill/>
-        </p:spPr>
-        <p:txBody>
-          <a:bodyPr wrap="none" rtlCol="0">
-            <a:spAutoFit/>
-          </a:bodyPr>
-          <a:lstStyle/>
-          <a:p>
-            <a:r>
-              <a:rPr lang="en-US" dirty="0" smtClean="0"/>
-              <a:t>Change word colors</a:t>
-            </a:r>
-            <a:endParaRPr lang="en-US" dirty="0"/>
-          </a:p>
-        </p:txBody>
-      </p:sp>
-      <p:sp>
-        <p:nvSpPr>
           <p:cNvPr id="25" name="TextBox 24"/>
           <p:cNvSpPr txBox="1"/>
           <p:nvPr/>
@@ -14583,6 +15059,174 @@
           </a:prstGeom>
         </p:spPr>
       </p:pic>
+      <p:sp>
+        <p:nvSpPr>
+          <p:cNvPr id="30" name="Rectangle 29"/>
+          <p:cNvSpPr/>
+          <p:nvPr/>
+        </p:nvSpPr>
+        <p:spPr>
+          <a:xfrm>
+            <a:off x="4996937" y="2297203"/>
+            <a:ext cx="899365" cy="152169"/>
+          </a:xfrm>
+          <a:prstGeom prst="rect">
+            <a:avLst/>
+          </a:prstGeom>
+          <a:solidFill>
+            <a:schemeClr val="bg1"/>
+          </a:solidFill>
+          <a:ln>
+            <a:noFill/>
+          </a:ln>
+        </p:spPr>
+        <p:style>
+          <a:lnRef idx="2">
+            <a:schemeClr val="accent1">
+              <a:shade val="50000"/>
+            </a:schemeClr>
+          </a:lnRef>
+          <a:fillRef idx="1">
+            <a:schemeClr val="accent1"/>
+          </a:fillRef>
+          <a:effectRef idx="0">
+            <a:schemeClr val="accent1"/>
+          </a:effectRef>
+          <a:fontRef idx="minor">
+            <a:schemeClr val="lt1"/>
+          </a:fontRef>
+        </p:style>
+        <p:txBody>
+          <a:bodyPr rtlCol="0" anchor="ctr"/>
+          <a:lstStyle/>
+          <a:p>
+            <a:pPr algn="ctr"/>
+            <a:endParaRPr lang="en-US"/>
+          </a:p>
+        </p:txBody>
+      </p:sp>
+      <p:sp>
+        <p:nvSpPr>
+          <p:cNvPr id="31" name="TextBox 30"/>
+          <p:cNvSpPr txBox="1"/>
+          <p:nvPr/>
+        </p:nvSpPr>
+        <p:spPr>
+          <a:xfrm>
+            <a:off x="4907849" y="2273259"/>
+            <a:ext cx="1077539" cy="200055"/>
+          </a:xfrm>
+          <a:prstGeom prst="rect">
+            <a:avLst/>
+          </a:prstGeom>
+          <a:noFill/>
+        </p:spPr>
+        <p:txBody>
+          <a:bodyPr wrap="none" rtlCol="0">
+            <a:spAutoFit/>
+          </a:bodyPr>
+          <a:lstStyle/>
+          <a:p>
+            <a:r>
+              <a:rPr lang="en-US" sz="700" dirty="0" smtClean="0">
+                <a:latin typeface="Helvetica Neue" charset="0"/>
+                <a:ea typeface="Helvetica Neue" charset="0"/>
+                <a:cs typeface="Helvetica Neue" charset="0"/>
+              </a:rPr>
+              <a:t>Vote Roll-Call Number</a:t>
+            </a:r>
+            <a:endParaRPr lang="en-US" sz="700" dirty="0">
+              <a:latin typeface="Helvetica Neue" charset="0"/>
+              <a:ea typeface="Helvetica Neue" charset="0"/>
+              <a:cs typeface="Helvetica Neue" charset="0"/>
+            </a:endParaRPr>
+          </a:p>
+        </p:txBody>
+      </p:sp>
+      <p:sp>
+        <p:nvSpPr>
+          <p:cNvPr id="32" name="Rectangle 31"/>
+          <p:cNvSpPr/>
+          <p:nvPr/>
+        </p:nvSpPr>
+        <p:spPr>
+          <a:xfrm>
+            <a:off x="1323571" y="2321147"/>
+            <a:ext cx="899365" cy="152169"/>
+          </a:xfrm>
+          <a:prstGeom prst="rect">
+            <a:avLst/>
+          </a:prstGeom>
+          <a:solidFill>
+            <a:schemeClr val="bg1"/>
+          </a:solidFill>
+          <a:ln>
+            <a:noFill/>
+          </a:ln>
+        </p:spPr>
+        <p:style>
+          <a:lnRef idx="2">
+            <a:schemeClr val="accent1">
+              <a:shade val="50000"/>
+            </a:schemeClr>
+          </a:lnRef>
+          <a:fillRef idx="1">
+            <a:schemeClr val="accent1"/>
+          </a:fillRef>
+          <a:effectRef idx="0">
+            <a:schemeClr val="accent1"/>
+          </a:effectRef>
+          <a:fontRef idx="minor">
+            <a:schemeClr val="lt1"/>
+          </a:fontRef>
+        </p:style>
+        <p:txBody>
+          <a:bodyPr rtlCol="0" anchor="ctr"/>
+          <a:lstStyle/>
+          <a:p>
+            <a:pPr algn="ctr"/>
+            <a:endParaRPr lang="en-US"/>
+          </a:p>
+        </p:txBody>
+      </p:sp>
+      <p:sp>
+        <p:nvSpPr>
+          <p:cNvPr id="33" name="TextBox 32"/>
+          <p:cNvSpPr txBox="1"/>
+          <p:nvPr/>
+        </p:nvSpPr>
+        <p:spPr>
+          <a:xfrm>
+            <a:off x="1234483" y="2297203"/>
+            <a:ext cx="1077539" cy="200055"/>
+          </a:xfrm>
+          <a:prstGeom prst="rect">
+            <a:avLst/>
+          </a:prstGeom>
+          <a:noFill/>
+        </p:spPr>
+        <p:txBody>
+          <a:bodyPr wrap="none" rtlCol="0">
+            <a:spAutoFit/>
+          </a:bodyPr>
+          <a:lstStyle/>
+          <a:p>
+            <a:r>
+              <a:rPr lang="en-US" sz="700" dirty="0" smtClean="0">
+                <a:latin typeface="Helvetica Neue" charset="0"/>
+                <a:ea typeface="Helvetica Neue" charset="0"/>
+                <a:cs typeface="Helvetica Neue" charset="0"/>
+              </a:rPr>
+              <a:t>Vote Roll-Call Number</a:t>
+            </a:r>
+            <a:endParaRPr lang="en-US" sz="700" dirty="0">
+              <a:latin typeface="Helvetica Neue" charset="0"/>
+              <a:ea typeface="Helvetica Neue" charset="0"/>
+              <a:cs typeface="Helvetica Neue" charset="0"/>
+            </a:endParaRPr>
+          </a:p>
+        </p:txBody>
+      </p:sp>
     </p:spTree>
     <p:extLst>
       <p:ext uri="{BB962C8B-B14F-4D97-AF65-F5344CB8AC3E}">
@@ -14596,7 +15240,7 @@
 </p:sld>
 </file>
 
-<file path=ppt/slides/slide6.xml><?xml version="1.0" encoding="utf-8"?>
+<file path=ppt/slides/slide7.xml><?xml version="1.0" encoding="utf-8"?>
 <p:sld xmlns:a="http://schemas.openxmlformats.org/drawingml/2006/main" xmlns:r="http://schemas.openxmlformats.org/officeDocument/2006/relationships" xmlns:p="http://schemas.openxmlformats.org/presentationml/2006/main">
   <p:cSld>
     <p:spTree>
@@ -15063,7 +15707,7 @@
 </p:sld>
 </file>
 
-<file path=ppt/slides/slide7.xml><?xml version="1.0" encoding="utf-8"?>
+<file path=ppt/slides/slide8.xml><?xml version="1.0" encoding="utf-8"?>
 <p:sld xmlns:a="http://schemas.openxmlformats.org/drawingml/2006/main" xmlns:r="http://schemas.openxmlformats.org/officeDocument/2006/relationships" xmlns:p="http://schemas.openxmlformats.org/presentationml/2006/main">
   <p:cSld>
     <p:spTree>
